--- a/All food in the hood.pptx
+++ b/All food in the hood.pptx
@@ -284,7 +284,7 @@
           <a:p>
             <a:fld id="{CA430C0A-5464-4FE4-84EB-FF9C94016DF4}" type="datetimeFigureOut">
               <a:rPr lang="en-US" dirty="0"/>
-              <a:t>7/8/2019</a:t>
+              <a:t>7/10/2019</a:t>
             </a:fld>
             <a:endParaRPr lang="en-US" dirty="0"/>
           </a:p>
@@ -450,7 +450,7 @@
           <a:p>
             <a:fld id="{E9F9C37B-1D36-470B-8223-D6C91242EC14}" type="datetimeFigureOut">
               <a:rPr lang="en-US" dirty="0"/>
-              <a:t>7/8/2019</a:t>
+              <a:t>7/10/2019</a:t>
             </a:fld>
             <a:endParaRPr lang="en-US" dirty="0"/>
           </a:p>
@@ -625,7 +625,7 @@
           <a:p>
             <a:fld id="{67C6F52A-A82B-47A2-A83A-8C4C91F2D59F}" type="datetimeFigureOut">
               <a:rPr lang="en-US" dirty="0"/>
-              <a:t>7/8/2019</a:t>
+              <a:t>7/10/2019</a:t>
             </a:fld>
             <a:endParaRPr lang="en-US" dirty="0"/>
           </a:p>
@@ -790,7 +790,7 @@
           <a:p>
             <a:fld id="{F070A7B3-6521-4DCA-87E5-044747A908C1}" type="datetimeFigureOut">
               <a:rPr lang="en-US" dirty="0"/>
-              <a:t>7/8/2019</a:t>
+              <a:t>7/10/2019</a:t>
             </a:fld>
             <a:endParaRPr lang="en-US" dirty="0"/>
           </a:p>
@@ -1046,7 +1046,7 @@
           <a:p>
             <a:fld id="{360C6404-AD6E-4860-8E75-697CA40B95DA}" type="datetimeFigureOut">
               <a:rPr lang="en-US" dirty="0"/>
-              <a:t>7/8/2019</a:t>
+              <a:t>7/10/2019</a:t>
             </a:fld>
             <a:endParaRPr lang="en-US" dirty="0"/>
           </a:p>
@@ -1274,7 +1274,7 @@
           <a:p>
             <a:fld id="{AB134690-1557-4C89-A502-4959FE7FAD70}" type="datetimeFigureOut">
               <a:rPr lang="en-US" dirty="0"/>
-              <a:t>7/8/2019</a:t>
+              <a:t>7/10/2019</a:t>
             </a:fld>
             <a:endParaRPr lang="en-US" dirty="0"/>
           </a:p>
@@ -1624,7 +1624,7 @@
           <a:p>
             <a:fld id="{4F7D4976-E339-4826-83B7-FBD03F55ECF8}" type="datetimeFigureOut">
               <a:rPr lang="en-US" dirty="0"/>
-              <a:t>7/8/2019</a:t>
+              <a:t>7/10/2019</a:t>
             </a:fld>
             <a:endParaRPr lang="en-US" dirty="0"/>
           </a:p>
@@ -1760,7 +1760,7 @@
           <a:p>
             <a:fld id="{E1037C31-9E7A-4F99-8774-A0E530DE1A42}" type="datetimeFigureOut">
               <a:rPr lang="en-US" dirty="0"/>
-              <a:t>7/8/2019</a:t>
+              <a:t>7/10/2019</a:t>
             </a:fld>
             <a:endParaRPr lang="en-US" dirty="0"/>
           </a:p>
@@ -1850,7 +1850,7 @@
           <a:p>
             <a:fld id="{C278504F-A551-4DE0-9316-4DCD1D8CC752}" type="datetimeFigureOut">
               <a:rPr lang="en-US" dirty="0"/>
-              <a:t>7/8/2019</a:t>
+              <a:t>7/10/2019</a:t>
             </a:fld>
             <a:endParaRPr lang="en-US" dirty="0"/>
           </a:p>
@@ -2202,7 +2202,7 @@
           <a:p>
             <a:fld id="{D1BE4249-C0D0-4B06-8692-E8BB871AF643}" type="datetimeFigureOut">
               <a:rPr lang="en-US" dirty="0"/>
-              <a:t>7/8/2019</a:t>
+              <a:t>7/10/2019</a:t>
             </a:fld>
             <a:endParaRPr lang="en-US" dirty="0"/>
           </a:p>
@@ -2515,7 +2515,7 @@
           <a:p>
             <a:fld id="{042B0DB6-F5C7-45FB-8CF3-31B45F9C2DAC}" type="datetimeFigureOut">
               <a:rPr lang="en-US" dirty="0"/>
-              <a:t>7/8/2019</a:t>
+              <a:t>7/10/2019</a:t>
             </a:fld>
             <a:endParaRPr lang="en-US" dirty="0"/>
           </a:p>
@@ -2754,7 +2754,7 @@
           <a:p>
             <a:fld id="{1160EA64-D806-43AC-9DF2-F8C432F32B4C}" type="datetimeFigureOut">
               <a:rPr lang="en-US" dirty="0"/>
-              <a:t>7/8/2019</a:t>
+              <a:t>7/10/2019</a:t>
             </a:fld>
             <a:endParaRPr lang="en-US" dirty="0"/>
           </a:p>
@@ -3574,6 +3574,175 @@
           </a:p>
         </p:txBody>
       </p:sp>
+      <p:sp>
+        <p:nvSpPr>
+          <p:cNvPr id="4" name="TextBox 3">
+            <a:extLst>
+              <a:ext uri="{FF2B5EF4-FFF2-40B4-BE49-F238E27FC236}">
+                <a16:creationId xmlns:a16="http://schemas.microsoft.com/office/drawing/2014/main" id="{B134A4AE-D841-490D-9C29-F1B3967DB404}"/>
+              </a:ext>
+            </a:extLst>
+          </p:cNvPr>
+          <p:cNvSpPr txBox="1"/>
+          <p:nvPr/>
+        </p:nvSpPr>
+        <p:spPr>
+          <a:xfrm>
+            <a:off x="734096" y="3354854"/>
+            <a:ext cx="2999704" cy="1200329"/>
+          </a:xfrm>
+          <a:prstGeom prst="rect">
+            <a:avLst/>
+          </a:prstGeom>
+          <a:noFill/>
+        </p:spPr>
+        <p:txBody>
+          <a:bodyPr wrap="square" rtlCol="0">
+            <a:spAutoFit/>
+          </a:bodyPr>
+          <a:lstStyle/>
+          <a:p>
+            <a:pPr algn="ctr"/>
+            <a:r>
+              <a:rPr lang="en-US" dirty="0"/>
+              <a:t>Raw Data:</a:t>
+            </a:r>
+          </a:p>
+          <a:p>
+            <a:pPr algn="ctr"/>
+            <a:r>
+              <a:rPr lang="en-US" dirty="0"/>
+              <a:t>Duplicate entries</a:t>
+            </a:r>
+          </a:p>
+          <a:p>
+            <a:pPr algn="ctr"/>
+            <a:r>
+              <a:rPr lang="en-US" dirty="0"/>
+              <a:t>Returned locations not in Bay</a:t>
+            </a:r>
+          </a:p>
+          <a:p>
+            <a:pPr algn="ctr"/>
+            <a:r>
+              <a:rPr lang="en-US" dirty="0"/>
+              <a:t>Unnecessary categories</a:t>
+            </a:r>
+          </a:p>
+        </p:txBody>
+      </p:sp>
+      <p:sp>
+        <p:nvSpPr>
+          <p:cNvPr id="6" name="TextBox 5">
+            <a:extLst>
+              <a:ext uri="{FF2B5EF4-FFF2-40B4-BE49-F238E27FC236}">
+                <a16:creationId xmlns:a16="http://schemas.microsoft.com/office/drawing/2014/main" id="{AD9E41AD-19D1-4BDF-AA3F-530D3C444D79}"/>
+              </a:ext>
+            </a:extLst>
+          </p:cNvPr>
+          <p:cNvSpPr txBox="1"/>
+          <p:nvPr/>
+        </p:nvSpPr>
+        <p:spPr>
+          <a:xfrm>
+            <a:off x="4043173" y="3371079"/>
+            <a:ext cx="3822700" cy="1200329"/>
+          </a:xfrm>
+          <a:prstGeom prst="rect">
+            <a:avLst/>
+          </a:prstGeom>
+          <a:noFill/>
+        </p:spPr>
+        <p:txBody>
+          <a:bodyPr wrap="square" rtlCol="0">
+            <a:spAutoFit/>
+          </a:bodyPr>
+          <a:lstStyle/>
+          <a:p>
+            <a:pPr algn="ctr"/>
+            <a:r>
+              <a:rPr lang="en-US" dirty="0"/>
+              <a:t>Process:</a:t>
+            </a:r>
+          </a:p>
+          <a:p>
+            <a:pPr algn="ctr"/>
+            <a:r>
+              <a:rPr lang="en-US" dirty="0"/>
+              <a:t>Check Yelp ID for duplicates</a:t>
+            </a:r>
+          </a:p>
+          <a:p>
+            <a:pPr algn="ctr"/>
+            <a:r>
+              <a:rPr lang="en-US" dirty="0"/>
+              <a:t>Delete rows with unexpected zip</a:t>
+            </a:r>
+          </a:p>
+          <a:p>
+            <a:pPr algn="ctr"/>
+            <a:r>
+              <a:rPr lang="en-US" dirty="0"/>
+              <a:t>Loop to remove irrelevant categories</a:t>
+            </a:r>
+          </a:p>
+        </p:txBody>
+      </p:sp>
+      <p:sp>
+        <p:nvSpPr>
+          <p:cNvPr id="7" name="TextBox 6">
+            <a:extLst>
+              <a:ext uri="{FF2B5EF4-FFF2-40B4-BE49-F238E27FC236}">
+                <a16:creationId xmlns:a16="http://schemas.microsoft.com/office/drawing/2014/main" id="{70CE9CBA-3F5C-4EED-A6E1-20797E29860D}"/>
+              </a:ext>
+            </a:extLst>
+          </p:cNvPr>
+          <p:cNvSpPr txBox="1"/>
+          <p:nvPr/>
+        </p:nvSpPr>
+        <p:spPr>
+          <a:xfrm>
+            <a:off x="7916382" y="3354853"/>
+            <a:ext cx="3541522" cy="923330"/>
+          </a:xfrm>
+          <a:prstGeom prst="rect">
+            <a:avLst/>
+          </a:prstGeom>
+          <a:noFill/>
+        </p:spPr>
+        <p:txBody>
+          <a:bodyPr wrap="square" rtlCol="0">
+            <a:spAutoFit/>
+          </a:bodyPr>
+          <a:lstStyle/>
+          <a:p>
+            <a:pPr algn="ctr"/>
+            <a:r>
+              <a:rPr lang="en-US" dirty="0"/>
+              <a:t>Output:</a:t>
+            </a:r>
+          </a:p>
+          <a:p>
+            <a:pPr algn="ctr"/>
+            <a:r>
+              <a:rPr lang="en-US" dirty="0"/>
+              <a:t>Full set of valid restaurants in Bay</a:t>
+            </a:r>
+          </a:p>
+          <a:p>
+            <a:pPr algn="ctr"/>
+            <a:r>
+              <a:rPr lang="en-US" dirty="0"/>
+              <a:t>Merge with county using </a:t>
+            </a:r>
+            <a:r>
+              <a:rPr lang="en-US" dirty="0" err="1"/>
+              <a:t>zipcode</a:t>
+            </a:r>
+            <a:endParaRPr lang="en-US" dirty="0"/>
+          </a:p>
+        </p:txBody>
+      </p:sp>
     </p:spTree>
     <p:extLst>
       <p:ext uri="{BB962C8B-B14F-4D97-AF65-F5344CB8AC3E}">
@@ -3632,6 +3801,67 @@
           </a:p>
         </p:txBody>
       </p:sp>
+      <p:sp>
+        <p:nvSpPr>
+          <p:cNvPr id="3" name="TextBox 2">
+            <a:extLst>
+              <a:ext uri="{FF2B5EF4-FFF2-40B4-BE49-F238E27FC236}">
+                <a16:creationId xmlns:a16="http://schemas.microsoft.com/office/drawing/2014/main" id="{5B65A27D-DD48-4715-900B-888707718959}"/>
+              </a:ext>
+            </a:extLst>
+          </p:cNvPr>
+          <p:cNvSpPr txBox="1"/>
+          <p:nvPr/>
+        </p:nvSpPr>
+        <p:spPr>
+          <a:xfrm>
+            <a:off x="2414778" y="2721325"/>
+            <a:ext cx="7362444" cy="1477328"/>
+          </a:xfrm>
+          <a:prstGeom prst="rect">
+            <a:avLst/>
+          </a:prstGeom>
+          <a:noFill/>
+        </p:spPr>
+        <p:txBody>
+          <a:bodyPr wrap="square" rtlCol="0">
+            <a:spAutoFit/>
+          </a:bodyPr>
+          <a:lstStyle/>
+          <a:p>
+            <a:pPr algn="ctr"/>
+            <a:r>
+              <a:rPr lang="en-US" dirty="0"/>
+              <a:t>Full Bay Area Dataset:</a:t>
+            </a:r>
+          </a:p>
+          <a:p>
+            <a:pPr algn="ctr"/>
+            <a:r>
+              <a:rPr lang="en-US" dirty="0"/>
+              <a:t>Total Count, Category Dist., Ratings Dist., Avg. Rating</a:t>
+            </a:r>
+          </a:p>
+          <a:p>
+            <a:pPr algn="ctr"/>
+            <a:endParaRPr lang="en-US" dirty="0"/>
+          </a:p>
+          <a:p>
+            <a:pPr algn="ctr"/>
+            <a:r>
+              <a:rPr lang="en-US" dirty="0"/>
+              <a:t>County scale:</a:t>
+            </a:r>
+          </a:p>
+          <a:p>
+            <a:pPr algn="ctr"/>
+            <a:r>
+              <a:rPr lang="en-US" dirty="0"/>
+              <a:t>Total Count, Category Distribution, Ratings Distribution, Avg. Rating</a:t>
+            </a:r>
+          </a:p>
+        </p:txBody>
+      </p:sp>
     </p:spTree>
     <p:extLst>
       <p:ext uri="{BB962C8B-B14F-4D97-AF65-F5344CB8AC3E}">
@@ -3806,6 +4036,63 @@
           </a:p>
         </p:txBody>
       </p:sp>
+      <p:sp>
+        <p:nvSpPr>
+          <p:cNvPr id="3" name="TextBox 2">
+            <a:extLst>
+              <a:ext uri="{FF2B5EF4-FFF2-40B4-BE49-F238E27FC236}">
+                <a16:creationId xmlns:a16="http://schemas.microsoft.com/office/drawing/2014/main" id="{E63DFA39-1401-4DB4-BD19-F73F887E593D}"/>
+              </a:ext>
+            </a:extLst>
+          </p:cNvPr>
+          <p:cNvSpPr txBox="1"/>
+          <p:nvPr/>
+        </p:nvSpPr>
+        <p:spPr>
+          <a:xfrm>
+            <a:off x="2414778" y="2721325"/>
+            <a:ext cx="7362444" cy="1200329"/>
+          </a:xfrm>
+          <a:prstGeom prst="rect">
+            <a:avLst/>
+          </a:prstGeom>
+          <a:noFill/>
+        </p:spPr>
+        <p:txBody>
+          <a:bodyPr wrap="square" rtlCol="0">
+            <a:spAutoFit/>
+          </a:bodyPr>
+          <a:lstStyle/>
+          <a:p>
+            <a:pPr algn="ctr"/>
+            <a:r>
+              <a:rPr lang="en-US" dirty="0"/>
+              <a:t>Verifying Data</a:t>
+            </a:r>
+          </a:p>
+          <a:p>
+            <a:pPr algn="ctr"/>
+            <a:r>
+              <a:rPr lang="en-US" dirty="0"/>
+              <a:t>Supplement with Additional Sources</a:t>
+            </a:r>
+          </a:p>
+          <a:p>
+            <a:pPr algn="ctr"/>
+            <a:r>
+              <a:rPr lang="en-US" dirty="0"/>
+              <a:t>Research Preference Factors</a:t>
+            </a:r>
+          </a:p>
+          <a:p>
+            <a:pPr algn="ctr"/>
+            <a:r>
+              <a:rPr lang="en-US" dirty="0"/>
+              <a:t>Tweak Formula</a:t>
+            </a:r>
+          </a:p>
+        </p:txBody>
+      </p:sp>
     </p:spTree>
     <p:extLst>
       <p:ext uri="{BB962C8B-B14F-4D97-AF65-F5344CB8AC3E}">
@@ -3860,6 +4147,71 @@
             <a:r>
               <a:rPr lang="en-US" dirty="0"/>
               <a:t>Future Exploration</a:t>
+            </a:r>
+          </a:p>
+        </p:txBody>
+      </p:sp>
+      <p:sp>
+        <p:nvSpPr>
+          <p:cNvPr id="3" name="TextBox 2">
+            <a:extLst>
+              <a:ext uri="{FF2B5EF4-FFF2-40B4-BE49-F238E27FC236}">
+                <a16:creationId xmlns:a16="http://schemas.microsoft.com/office/drawing/2014/main" id="{841E4E24-D77E-4622-A777-A76ED2FC4A80}"/>
+              </a:ext>
+            </a:extLst>
+          </p:cNvPr>
+          <p:cNvSpPr txBox="1"/>
+          <p:nvPr/>
+        </p:nvSpPr>
+        <p:spPr>
+          <a:xfrm>
+            <a:off x="2414778" y="2721325"/>
+            <a:ext cx="7362444" cy="1200329"/>
+          </a:xfrm>
+          <a:prstGeom prst="rect">
+            <a:avLst/>
+          </a:prstGeom>
+          <a:noFill/>
+        </p:spPr>
+        <p:txBody>
+          <a:bodyPr wrap="square" rtlCol="0">
+            <a:spAutoFit/>
+          </a:bodyPr>
+          <a:lstStyle/>
+          <a:p>
+            <a:pPr algn="ctr"/>
+            <a:r>
+              <a:rPr lang="en-US" dirty="0"/>
+              <a:t>Combine with Alternate Sources</a:t>
+            </a:r>
+          </a:p>
+          <a:p>
+            <a:pPr algn="ctr"/>
+            <a:r>
+              <a:rPr lang="en-US" dirty="0"/>
+              <a:t>Compare Foodie Hotspots to Local Rent Prices</a:t>
+            </a:r>
+          </a:p>
+          <a:p>
+            <a:pPr algn="ctr"/>
+            <a:r>
+              <a:rPr lang="en-US" dirty="0"/>
+              <a:t>Expand Outside Food, </a:t>
+            </a:r>
+            <a:r>
+              <a:rPr lang="en-US" dirty="0" err="1"/>
+              <a:t>eg.</a:t>
+            </a:r>
+            <a:r>
+              <a:rPr lang="en-US" dirty="0"/>
+              <a:t> Clubs, Bars, Golf</a:t>
+            </a:r>
+          </a:p>
+          <a:p>
+            <a:pPr algn="ctr"/>
+            <a:r>
+              <a:rPr lang="en-US" dirty="0"/>
+              <a:t>Study Other Major Cities</a:t>
             </a:r>
           </a:p>
         </p:txBody>
@@ -5669,8 +6021,8 @@
         </p:nvSpPr>
         <p:spPr>
           <a:xfrm>
-            <a:off x="2414778" y="2422325"/>
-            <a:ext cx="7362444" cy="1477328"/>
+            <a:off x="2414778" y="2460425"/>
+            <a:ext cx="7362444" cy="1754326"/>
           </a:xfrm>
           <a:prstGeom prst="rect">
             <a:avLst/>
@@ -5686,6 +6038,20 @@
             <a:pPr algn="ctr"/>
             <a:r>
               <a:rPr lang="en-US" dirty="0"/>
+              <a:t>Grade &amp; Compare 9 Bay Counties</a:t>
+            </a:r>
+          </a:p>
+          <a:p>
+            <a:pPr algn="ctr"/>
+            <a:r>
+              <a:rPr lang="en-US" dirty="0"/>
+              <a:t>Yelp API as sole resource</a:t>
+            </a:r>
+          </a:p>
+          <a:p>
+            <a:pPr algn="ctr"/>
+            <a:r>
+              <a:rPr lang="en-US" dirty="0"/>
               <a:t>Defining Bay Area</a:t>
             </a:r>
           </a:p>
@@ -5693,13 +6059,6 @@
             <a:pPr algn="ctr"/>
             <a:r>
               <a:rPr lang="en-US" dirty="0"/>
-              <a:t>Yelp API as sole resource</a:t>
-            </a:r>
-          </a:p>
-          <a:p>
-            <a:pPr algn="ctr"/>
-            <a:r>
-              <a:rPr lang="en-US" dirty="0"/>
               <a:t>Defining restaurant</a:t>
             </a:r>
           </a:p>
@@ -5712,7 +6071,10 @@
           </a:p>
           <a:p>
             <a:pPr algn="ctr"/>
-            <a:endParaRPr lang="en-US" dirty="0"/>
+            <a:r>
+              <a:rPr lang="en-US" dirty="0"/>
+              <a:t>Defining categories</a:t>
+            </a:r>
           </a:p>
         </p:txBody>
       </p:sp>
@@ -5959,7 +6321,7 @@
         <p:spPr>
           <a:xfrm>
             <a:off x="2414778" y="2422325"/>
-            <a:ext cx="7362444" cy="1200329"/>
+            <a:ext cx="7362444" cy="1754326"/>
           </a:xfrm>
           <a:prstGeom prst="rect">
             <a:avLst/>
@@ -5996,8 +6358,19 @@
             <a:pPr algn="ctr"/>
             <a:r>
               <a:rPr lang="en-US" dirty="0"/>
+              <a:t>All reviews unbiased and standardized</a:t>
+            </a:r>
+          </a:p>
+          <a:p>
+            <a:pPr algn="ctr"/>
+            <a:r>
+              <a:rPr lang="en-US" dirty="0"/>
               <a:t>Ratings = Quality of Food</a:t>
             </a:r>
+          </a:p>
+          <a:p>
+            <a:pPr algn="ctr"/>
+            <a:endParaRPr lang="en-US" dirty="0"/>
           </a:p>
         </p:txBody>
       </p:sp>
@@ -6061,10 +6434,10 @@
       </p:sp>
       <p:sp>
         <p:nvSpPr>
-          <p:cNvPr id="3" name="TextBox 2">
+          <p:cNvPr id="4" name="TextBox 3">
             <a:extLst>
               <a:ext uri="{FF2B5EF4-FFF2-40B4-BE49-F238E27FC236}">
-                <a16:creationId xmlns:a16="http://schemas.microsoft.com/office/drawing/2014/main" id="{C61F6DEF-11A2-4A49-9712-A3A0AB126A04}"/>
+                <a16:creationId xmlns:a16="http://schemas.microsoft.com/office/drawing/2014/main" id="{F333F281-071A-40BA-9653-A714B294E6CF}"/>
               </a:ext>
             </a:extLst>
           </p:cNvPr>
@@ -6073,8 +6446,8 @@
         </p:nvSpPr>
         <p:spPr>
           <a:xfrm>
-            <a:off x="2414778" y="2422325"/>
-            <a:ext cx="7362444" cy="2031325"/>
+            <a:off x="2414778" y="2690336"/>
+            <a:ext cx="7362444" cy="369332"/>
           </a:xfrm>
           <a:prstGeom prst="rect">
             <a:avLst/>
@@ -6090,47 +6463,86 @@
             <a:pPr algn="ctr"/>
             <a:r>
               <a:rPr lang="en-US" dirty="0"/>
-              <a:t>Data to Gather:</a:t>
-            </a:r>
-          </a:p>
-          <a:p>
-            <a:pPr algn="ctr"/>
-            <a:r>
-              <a:rPr lang="en-US" dirty="0"/>
-              <a:t>Bay Cities with Geocoordinates</a:t>
-            </a:r>
-          </a:p>
-          <a:p>
-            <a:pPr algn="ctr"/>
-            <a:r>
-              <a:rPr lang="en-US" dirty="0"/>
-              <a:t>Restaurant Info Grouped by County</a:t>
-            </a:r>
-          </a:p>
-          <a:p>
-            <a:pPr algn="ctr"/>
-            <a:r>
-              <a:rPr lang="en-US" dirty="0"/>
-              <a:t>Total Counts</a:t>
-            </a:r>
-          </a:p>
-          <a:p>
-            <a:pPr algn="ctr"/>
-            <a:r>
-              <a:rPr lang="en-US" dirty="0"/>
-              <a:t>Binned Ratings</a:t>
-            </a:r>
-          </a:p>
-          <a:p>
-            <a:pPr algn="ctr"/>
-            <a:r>
-              <a:rPr lang="en-US" dirty="0"/>
-              <a:t>Category Counts</a:t>
-            </a:r>
-          </a:p>
-          <a:p>
-            <a:pPr algn="ctr"/>
-            <a:endParaRPr lang="en-US" dirty="0"/>
+              <a:t>For each county, evaluate using formula:</a:t>
+            </a:r>
+          </a:p>
+        </p:txBody>
+      </p:sp>
+      <p:sp>
+        <p:nvSpPr>
+          <p:cNvPr id="5" name="TextBox 4">
+            <a:extLst>
+              <a:ext uri="{FF2B5EF4-FFF2-40B4-BE49-F238E27FC236}">
+                <a16:creationId xmlns:a16="http://schemas.microsoft.com/office/drawing/2014/main" id="{17918E6D-662D-4FD3-880F-078D983741C0}"/>
+              </a:ext>
+            </a:extLst>
+          </p:cNvPr>
+          <p:cNvSpPr txBox="1"/>
+          <p:nvPr/>
+        </p:nvSpPr>
+        <p:spPr>
+          <a:xfrm>
+            <a:off x="215900" y="3273426"/>
+            <a:ext cx="11760200" cy="646331"/>
+          </a:xfrm>
+          <a:prstGeom prst="rect">
+            <a:avLst/>
+          </a:prstGeom>
+          <a:noFill/>
+        </p:spPr>
+        <p:txBody>
+          <a:bodyPr wrap="square" rtlCol="0">
+            <a:spAutoFit/>
+          </a:bodyPr>
+          <a:lstStyle/>
+          <a:p>
+            <a:pPr algn="ctr"/>
+            <a:r>
+              <a:rPr lang="en-US" dirty="0"/>
+              <a:t>(Total Restaurants) + (Total Unique Categories) + ( Total Rated 3.5+) + </a:t>
+            </a:r>
+          </a:p>
+          <a:p>
+            <a:pPr algn="ctr"/>
+            <a:r>
+              <a:rPr lang="en-US" dirty="0"/>
+              <a:t>(Total Unique Categories in Set of Restaurants Rated 3.5+)  + (Avg Overall Rating)</a:t>
+            </a:r>
+          </a:p>
+        </p:txBody>
+      </p:sp>
+      <p:sp>
+        <p:nvSpPr>
+          <p:cNvPr id="6" name="Rectangle 5">
+            <a:extLst>
+              <a:ext uri="{FF2B5EF4-FFF2-40B4-BE49-F238E27FC236}">
+                <a16:creationId xmlns:a16="http://schemas.microsoft.com/office/drawing/2014/main" id="{3AA13192-90CF-4A07-9BB1-2BE7619D770E}"/>
+              </a:ext>
+            </a:extLst>
+          </p:cNvPr>
+          <p:cNvSpPr/>
+          <p:nvPr/>
+        </p:nvSpPr>
+        <p:spPr>
+          <a:xfrm>
+            <a:off x="4815373" y="4387334"/>
+            <a:ext cx="2561279" cy="369332"/>
+          </a:xfrm>
+          <a:prstGeom prst="rect">
+            <a:avLst/>
+          </a:prstGeom>
+        </p:spPr>
+        <p:txBody>
+          <a:bodyPr wrap="none">
+            <a:spAutoFit/>
+          </a:bodyPr>
+          <a:lstStyle/>
+          <a:p>
+            <a:pPr algn="ctr"/>
+            <a:r>
+              <a:rPr lang="en-US" dirty="0"/>
+              <a:t>Able to scale up or down</a:t>
+            </a:r>
           </a:p>
         </p:txBody>
       </p:sp>
@@ -6270,7 +6682,7 @@
         </p:nvSpPr>
         <p:spPr>
           <a:xfrm>
-            <a:off x="2414778" y="3965925"/>
+            <a:off x="2414778" y="4020662"/>
             <a:ext cx="7362444" cy="1477328"/>
           </a:xfrm>
           <a:prstGeom prst="rect">
@@ -6357,6 +6769,81 @@
               <a:rPr lang="en-US" dirty="0"/>
               <a:t>Only 2 queries &gt;1k</a:t>
             </a:r>
+          </a:p>
+        </p:txBody>
+      </p:sp>
+      <p:sp>
+        <p:nvSpPr>
+          <p:cNvPr id="6" name="TextBox 5">
+            <a:extLst>
+              <a:ext uri="{FF2B5EF4-FFF2-40B4-BE49-F238E27FC236}">
+                <a16:creationId xmlns:a16="http://schemas.microsoft.com/office/drawing/2014/main" id="{7D013B00-B6C4-40F8-B7F5-397CB6E785A5}"/>
+              </a:ext>
+            </a:extLst>
+          </p:cNvPr>
+          <p:cNvSpPr txBox="1"/>
+          <p:nvPr/>
+        </p:nvSpPr>
+        <p:spPr>
+          <a:xfrm>
+            <a:off x="1329817" y="2543335"/>
+            <a:ext cx="2169922" cy="2308324"/>
+          </a:xfrm>
+          <a:prstGeom prst="rect">
+            <a:avLst/>
+          </a:prstGeom>
+          <a:noFill/>
+        </p:spPr>
+        <p:txBody>
+          <a:bodyPr wrap="square" rtlCol="0">
+            <a:spAutoFit/>
+          </a:bodyPr>
+          <a:lstStyle/>
+          <a:p>
+            <a:pPr algn="ctr"/>
+            <a:r>
+              <a:rPr lang="en-US" dirty="0"/>
+              <a:t>Data to Gather:</a:t>
+            </a:r>
+          </a:p>
+          <a:p>
+            <a:pPr algn="ctr"/>
+            <a:r>
+              <a:rPr lang="en-US" dirty="0"/>
+              <a:t>Bay Cities with Geocoordinates</a:t>
+            </a:r>
+          </a:p>
+          <a:p>
+            <a:pPr algn="ctr"/>
+            <a:r>
+              <a:rPr lang="en-US" dirty="0"/>
+              <a:t>Yelp API</a:t>
+            </a:r>
+          </a:p>
+          <a:p>
+            <a:pPr algn="ctr"/>
+            <a:r>
+              <a:rPr lang="en-US" dirty="0"/>
+              <a:t>Total Counts</a:t>
+            </a:r>
+          </a:p>
+          <a:p>
+            <a:pPr algn="ctr"/>
+            <a:r>
+              <a:rPr lang="en-US" dirty="0"/>
+              <a:t>Binned Ratings</a:t>
+            </a:r>
+          </a:p>
+          <a:p>
+            <a:pPr algn="ctr"/>
+            <a:r>
+              <a:rPr lang="en-US" dirty="0"/>
+              <a:t>Category Counts</a:t>
+            </a:r>
+          </a:p>
+          <a:p>
+            <a:pPr algn="ctr"/>
+            <a:endParaRPr lang="en-US" dirty="0"/>
           </a:p>
         </p:txBody>
       </p:sp>

--- a/All food in the hood.pptx
+++ b/All food in the hood.pptx
@@ -3290,7 +3290,7 @@
         </p:nvSpPr>
         <p:spPr>
           <a:xfrm>
-            <a:off x="2612702" y="5812208"/>
+            <a:off x="2612702" y="6180508"/>
             <a:ext cx="6801612" cy="412403"/>
           </a:xfrm>
           <a:prstGeom prst="rect">
@@ -3300,7 +3300,7 @@
         </p:spPr>
         <p:txBody>
           <a:bodyPr vert="horz" lIns="91440" tIns="45720" rIns="91440" bIns="45720" rtlCol="0">
-            <a:normAutofit/>
+            <a:normAutofit fontScale="92500"/>
           </a:bodyPr>
           <a:lstStyle>
             <a:lvl1pPr marL="0" indent="0" algn="ctr" defTabSz="914400" rtl="0" eaLnBrk="1" latinLnBrk="0" hangingPunct="1">
@@ -3511,11 +3511,57 @@
           <a:p>
             <a:r>
               <a:rPr lang="en-US" dirty="0"/>
-              <a:t>Phillip Choi ∙ ∙ ∙ ∙ </a:t>
-            </a:r>
-          </a:p>
-        </p:txBody>
-      </p:sp>
+              <a:t>Phillip Choi ∙ </a:t>
+            </a:r>
+            <a:r>
+              <a:rPr lang="en-US" dirty="0" err="1"/>
+              <a:t>Loba</a:t>
+            </a:r>
+            <a:r>
+              <a:rPr lang="en-US" dirty="0"/>
+              <a:t> </a:t>
+            </a:r>
+            <a:r>
+              <a:rPr lang="en-US" dirty="0" err="1"/>
+              <a:t>Quasem</a:t>
+            </a:r>
+            <a:r>
+              <a:rPr lang="en-US" dirty="0"/>
+              <a:t> ∙ Carly Russell ∙ Natalie……………..∙ </a:t>
+            </a:r>
+          </a:p>
+        </p:txBody>
+      </p:sp>
+      <p:pic>
+        <p:nvPicPr>
+          <p:cNvPr id="6" name="Picture 5">
+            <a:extLst>
+              <a:ext uri="{FF2B5EF4-FFF2-40B4-BE49-F238E27FC236}">
+                <a16:creationId xmlns:a16="http://schemas.microsoft.com/office/drawing/2014/main" id="{9535D148-636D-4318-BB49-136E619506DD}"/>
+              </a:ext>
+            </a:extLst>
+          </p:cNvPr>
+          <p:cNvPicPr>
+            <a:picLocks noChangeAspect="1"/>
+          </p:cNvPicPr>
+          <p:nvPr/>
+        </p:nvPicPr>
+        <p:blipFill>
+          <a:blip r:embed="rId2"/>
+          <a:stretch>
+            <a:fillRect/>
+          </a:stretch>
+        </p:blipFill>
+        <p:spPr>
+          <a:xfrm>
+            <a:off x="3368546" y="3024401"/>
+            <a:ext cx="5454908" cy="2978307"/>
+          </a:xfrm>
+          <a:prstGeom prst="rect">
+            <a:avLst/>
+          </a:prstGeom>
+        </p:spPr>
+      </p:pic>
     </p:spTree>
     <p:extLst>
       <p:ext uri="{BB962C8B-B14F-4D97-AF65-F5344CB8AC3E}">
@@ -4166,7 +4212,7 @@
         <p:spPr>
           <a:xfrm>
             <a:off x="2414778" y="2721325"/>
-            <a:ext cx="7362444" cy="1200329"/>
+            <a:ext cx="7362444" cy="1477328"/>
           </a:xfrm>
           <a:prstGeom prst="rect">
             <a:avLst/>
@@ -4178,6 +4224,13 @@
             <a:spAutoFit/>
           </a:bodyPr>
           <a:lstStyle/>
+          <a:p>
+            <a:pPr algn="ctr"/>
+            <a:r>
+              <a:rPr lang="en-US" dirty="0"/>
+              <a:t>Compare on Local Level</a:t>
+            </a:r>
+          </a:p>
           <a:p>
             <a:pPr algn="ctr"/>
             <a:r>
